--- a/scucoin_fianl_proposal.pptx
+++ b/scucoin_fianl_proposal.pptx
@@ -6,11 +6,11 @@
   </p:sldMasterIdLst>
   <p:sldIdLst>
     <p:sldId id="256" r:id="rId2"/>
-    <p:sldId id="257" r:id="rId3"/>
-    <p:sldId id="259" r:id="rId4"/>
-    <p:sldId id="262" r:id="rId5"/>
-    <p:sldId id="260" r:id="rId6"/>
-    <p:sldId id="261" r:id="rId7"/>
+    <p:sldId id="259" r:id="rId3"/>
+    <p:sldId id="262" r:id="rId4"/>
+    <p:sldId id="260" r:id="rId5"/>
+    <p:sldId id="261" r:id="rId6"/>
+    <p:sldId id="257" r:id="rId7"/>
   </p:sldIdLst>
   <p:sldSz cx="12192000" cy="6858000"/>
   <p:notesSz cx="6858000" cy="9144000"/>
@@ -6009,6 +6009,808 @@
           <p:cNvPr id="2" name="標題 1">
             <a:extLst>
               <a:ext uri="{FF2B5EF4-FFF2-40B4-BE49-F238E27FC236}">
+                <a16:creationId xmlns:a16="http://schemas.microsoft.com/office/drawing/2014/main" id="{A9E473DA-FFCC-46ED-A06B-AA90C9A96315}"/>
+              </a:ext>
+            </a:extLst>
+          </p:cNvPr>
+          <p:cNvSpPr>
+            <a:spLocks noGrp="1"/>
+          </p:cNvSpPr>
+          <p:nvPr>
+            <p:ph type="title"/>
+          </p:nvPr>
+        </p:nvSpPr>
+        <p:spPr/>
+        <p:txBody>
+          <a:bodyPr/>
+          <a:lstStyle/>
+          <a:p>
+            <a:r>
+              <a:rPr lang="zh-TW" altLang="en-US" b="1" dirty="0"/>
+              <a:t>功能介紹</a:t>
+            </a:r>
+          </a:p>
+        </p:txBody>
+      </p:sp>
+      <p:sp>
+        <p:nvSpPr>
+          <p:cNvPr id="3" name="內容版面配置區 2">
+            <a:extLst>
+              <a:ext uri="{FF2B5EF4-FFF2-40B4-BE49-F238E27FC236}">
+                <a16:creationId xmlns:a16="http://schemas.microsoft.com/office/drawing/2014/main" id="{6D293448-2107-4EB7-AAB0-0B6316EC3D7C}"/>
+              </a:ext>
+            </a:extLst>
+          </p:cNvPr>
+          <p:cNvSpPr>
+            <a:spLocks noGrp="1"/>
+          </p:cNvSpPr>
+          <p:nvPr>
+            <p:ph idx="1"/>
+          </p:nvPr>
+        </p:nvSpPr>
+        <p:spPr>
+          <a:xfrm>
+            <a:off x="1295401" y="2556931"/>
+            <a:ext cx="9601196" cy="3551637"/>
+          </a:xfrm>
+        </p:spPr>
+        <p:txBody>
+          <a:bodyPr>
+            <a:normAutofit/>
+          </a:bodyPr>
+          <a:lstStyle/>
+          <a:p>
+            <a:r>
+              <a:rPr lang="zh-TW" altLang="en-US" dirty="0">
+                <a:latin typeface="微軟正黑體" panose="020B0604030504040204" pitchFamily="34" charset="-120"/>
+                <a:ea typeface="微軟正黑體" panose="020B0604030504040204" pitchFamily="34" charset="-120"/>
+              </a:rPr>
+              <a:t>一、服務項目</a:t>
+            </a:r>
+            <a:r>
+              <a:rPr lang="en-US" altLang="zh-TW" dirty="0">
+                <a:latin typeface="微軟正黑體" panose="020B0604030504040204" pitchFamily="34" charset="-120"/>
+                <a:ea typeface="微軟正黑體" panose="020B0604030504040204" pitchFamily="34" charset="-120"/>
+              </a:rPr>
+              <a:t>:</a:t>
+            </a:r>
+          </a:p>
+          <a:p>
+            <a:pPr marL="0" indent="0">
+              <a:buNone/>
+            </a:pPr>
+            <a:r>
+              <a:rPr lang="en-US" altLang="zh-TW" dirty="0">
+                <a:latin typeface="微軟正黑體" panose="020B0604030504040204" pitchFamily="34" charset="-120"/>
+                <a:ea typeface="微軟正黑體" panose="020B0604030504040204" pitchFamily="34" charset="-120"/>
+              </a:rPr>
+              <a:t>	1</a:t>
+            </a:r>
+            <a:r>
+              <a:rPr lang="zh-TW" altLang="en-US" dirty="0">
+                <a:latin typeface="微軟正黑體" panose="020B0604030504040204" pitchFamily="34" charset="-120"/>
+                <a:ea typeface="微軟正黑體" panose="020B0604030504040204" pitchFamily="34" charset="-120"/>
+              </a:rPr>
+              <a:t>。參考書借用</a:t>
+            </a:r>
+            <a:endParaRPr lang="en-US" altLang="zh-TW" dirty="0">
+              <a:latin typeface="微軟正黑體" panose="020B0604030504040204" pitchFamily="34" charset="-120"/>
+              <a:ea typeface="微軟正黑體" panose="020B0604030504040204" pitchFamily="34" charset="-120"/>
+            </a:endParaRPr>
+          </a:p>
+          <a:p>
+            <a:pPr marL="0" indent="0">
+              <a:buNone/>
+            </a:pPr>
+            <a:r>
+              <a:rPr lang="en-US" altLang="zh-TW" dirty="0">
+                <a:latin typeface="微軟正黑體" panose="020B0604030504040204" pitchFamily="34" charset="-120"/>
+                <a:ea typeface="微軟正黑體" panose="020B0604030504040204" pitchFamily="34" charset="-120"/>
+              </a:rPr>
+              <a:t>	2</a:t>
+            </a:r>
+            <a:r>
+              <a:rPr lang="zh-TW" altLang="en-US" dirty="0">
+                <a:latin typeface="微軟正黑體" panose="020B0604030504040204" pitchFamily="34" charset="-120"/>
+                <a:ea typeface="微軟正黑體" panose="020B0604030504040204" pitchFamily="34" charset="-120"/>
+              </a:rPr>
+              <a:t>。請老師寫推薦信</a:t>
+            </a:r>
+            <a:endParaRPr lang="en-US" altLang="zh-TW" dirty="0">
+              <a:latin typeface="微軟正黑體" panose="020B0604030504040204" pitchFamily="34" charset="-120"/>
+              <a:ea typeface="微軟正黑體" panose="020B0604030504040204" pitchFamily="34" charset="-120"/>
+            </a:endParaRPr>
+          </a:p>
+          <a:p>
+            <a:pPr marL="0" indent="0">
+              <a:buNone/>
+            </a:pPr>
+            <a:r>
+              <a:rPr lang="en-US" altLang="zh-TW" dirty="0">
+                <a:latin typeface="微軟正黑體" panose="020B0604030504040204" pitchFamily="34" charset="-120"/>
+                <a:ea typeface="微軟正黑體" panose="020B0604030504040204" pitchFamily="34" charset="-120"/>
+              </a:rPr>
+              <a:t>	3</a:t>
+            </a:r>
+            <a:r>
+              <a:rPr lang="zh-TW" altLang="en-US" dirty="0">
+                <a:latin typeface="微軟正黑體" panose="020B0604030504040204" pitchFamily="34" charset="-120"/>
+                <a:ea typeface="微軟正黑體" panose="020B0604030504040204" pitchFamily="34" charset="-120"/>
+              </a:rPr>
+              <a:t>。課程評論機制</a:t>
+            </a:r>
+            <a:endParaRPr lang="en-US" altLang="zh-TW" dirty="0">
+              <a:latin typeface="微軟正黑體" panose="020B0604030504040204" pitchFamily="34" charset="-120"/>
+              <a:ea typeface="微軟正黑體" panose="020B0604030504040204" pitchFamily="34" charset="-120"/>
+            </a:endParaRPr>
+          </a:p>
+          <a:p>
+            <a:pPr marL="0" indent="0">
+              <a:buNone/>
+            </a:pPr>
+            <a:r>
+              <a:rPr lang="en-US" altLang="zh-TW" dirty="0">
+                <a:latin typeface="微軟正黑體" panose="020B0604030504040204" pitchFamily="34" charset="-120"/>
+                <a:ea typeface="微軟正黑體" panose="020B0604030504040204" pitchFamily="34" charset="-120"/>
+              </a:rPr>
+              <a:t>	4</a:t>
+            </a:r>
+            <a:r>
+              <a:rPr lang="zh-TW" altLang="en-US" dirty="0">
+                <a:latin typeface="微軟正黑體" panose="020B0604030504040204" pitchFamily="34" charset="-120"/>
+                <a:ea typeface="微軟正黑體" panose="020B0604030504040204" pitchFamily="34" charset="-120"/>
+              </a:rPr>
+              <a:t>。信用兌換代幣</a:t>
+            </a:r>
+            <a:r>
+              <a:rPr lang="en-US" altLang="zh-TW" dirty="0">
+                <a:latin typeface="微軟正黑體" panose="020B0604030504040204" pitchFamily="34" charset="-120"/>
+                <a:ea typeface="微軟正黑體" panose="020B0604030504040204" pitchFamily="34" charset="-120"/>
+              </a:rPr>
+              <a:t>(</a:t>
+            </a:r>
+            <a:r>
+              <a:rPr lang="zh-TW" altLang="en-US" dirty="0">
+                <a:latin typeface="微軟正黑體" panose="020B0604030504040204" pitchFamily="34" charset="-120"/>
+                <a:ea typeface="微軟正黑體" panose="020B0604030504040204" pitchFamily="34" charset="-120"/>
+              </a:rPr>
+              <a:t>例 </a:t>
+            </a:r>
+            <a:r>
+              <a:rPr lang="en-US" altLang="zh-TW" dirty="0">
+                <a:latin typeface="微軟正黑體" panose="020B0604030504040204" pitchFamily="34" charset="-120"/>
+                <a:ea typeface="微軟正黑體" panose="020B0604030504040204" pitchFamily="34" charset="-120"/>
+              </a:rPr>
+              <a:t>: 30</a:t>
+            </a:r>
+            <a:r>
+              <a:rPr lang="zh-TW" altLang="en-US" dirty="0">
+                <a:latin typeface="微軟正黑體" panose="020B0604030504040204" pitchFamily="34" charset="-120"/>
+                <a:ea typeface="微軟正黑體" panose="020B0604030504040204" pitchFamily="34" charset="-120"/>
+              </a:rPr>
+              <a:t>信用兌換一點代幣</a:t>
+            </a:r>
+            <a:r>
+              <a:rPr lang="en-US" altLang="zh-TW" dirty="0">
+                <a:latin typeface="微軟正黑體" panose="020B0604030504040204" pitchFamily="34" charset="-120"/>
+                <a:ea typeface="微軟正黑體" panose="020B0604030504040204" pitchFamily="34" charset="-120"/>
+              </a:rPr>
+              <a:t>)</a:t>
+            </a:r>
+          </a:p>
+          <a:p>
+            <a:pPr marL="0" indent="0">
+              <a:buNone/>
+            </a:pPr>
+            <a:r>
+              <a:rPr lang="en-US" altLang="zh-TW" dirty="0">
+                <a:latin typeface="微軟正黑體" panose="020B0604030504040204" pitchFamily="34" charset="-120"/>
+                <a:ea typeface="微軟正黑體" panose="020B0604030504040204" pitchFamily="34" charset="-120"/>
+              </a:rPr>
+              <a:t>	5</a:t>
+            </a:r>
+            <a:r>
+              <a:rPr lang="zh-TW" altLang="en-US" dirty="0">
+                <a:latin typeface="微軟正黑體" panose="020B0604030504040204" pitchFamily="34" charset="-120"/>
+                <a:ea typeface="微軟正黑體" panose="020B0604030504040204" pitchFamily="34" charset="-120"/>
+              </a:rPr>
+              <a:t>。提供其他新增項目</a:t>
+            </a:r>
+          </a:p>
+        </p:txBody>
+      </p:sp>
+    </p:spTree>
+    <p:extLst>
+      <p:ext uri="{BB962C8B-B14F-4D97-AF65-F5344CB8AC3E}">
+        <p14:creationId xmlns:p14="http://schemas.microsoft.com/office/powerpoint/2010/main" val="220416637"/>
+      </p:ext>
+    </p:extLst>
+  </p:cSld>
+  <p:clrMapOvr>
+    <a:masterClrMapping/>
+  </p:clrMapOvr>
+</p:sld>
+</file>
+
+<file path=ppt/slides/slide3.xml><?xml version="1.0" encoding="utf-8"?>
+<p:sld xmlns:a="http://schemas.openxmlformats.org/drawingml/2006/main" xmlns:r="http://schemas.openxmlformats.org/officeDocument/2006/relationships" xmlns:p="http://schemas.openxmlformats.org/presentationml/2006/main">
+  <p:cSld>
+    <p:spTree>
+      <p:nvGrpSpPr>
+        <p:cNvPr id="1" name=""/>
+        <p:cNvGrpSpPr/>
+        <p:nvPr/>
+      </p:nvGrpSpPr>
+      <p:grpSpPr>
+        <a:xfrm>
+          <a:off x="0" y="0"/>
+          <a:ext cx="0" cy="0"/>
+          <a:chOff x="0" y="0"/>
+          <a:chExt cx="0" cy="0"/>
+        </a:xfrm>
+      </p:grpSpPr>
+      <p:sp>
+        <p:nvSpPr>
+          <p:cNvPr id="2" name="標題 1">
+            <a:extLst>
+              <a:ext uri="{FF2B5EF4-FFF2-40B4-BE49-F238E27FC236}">
+                <a16:creationId xmlns:a16="http://schemas.microsoft.com/office/drawing/2014/main" id="{A9E473DA-FFCC-46ED-A06B-AA90C9A96315}"/>
+              </a:ext>
+            </a:extLst>
+          </p:cNvPr>
+          <p:cNvSpPr>
+            <a:spLocks noGrp="1"/>
+          </p:cNvSpPr>
+          <p:nvPr>
+            <p:ph type="title"/>
+          </p:nvPr>
+        </p:nvSpPr>
+        <p:spPr/>
+        <p:txBody>
+          <a:bodyPr/>
+          <a:lstStyle/>
+          <a:p>
+            <a:r>
+              <a:rPr lang="zh-TW" altLang="en-US" b="1" dirty="0"/>
+              <a:t>功能介紹</a:t>
+            </a:r>
+          </a:p>
+        </p:txBody>
+      </p:sp>
+      <p:sp>
+        <p:nvSpPr>
+          <p:cNvPr id="3" name="內容版面配置區 2">
+            <a:extLst>
+              <a:ext uri="{FF2B5EF4-FFF2-40B4-BE49-F238E27FC236}">
+                <a16:creationId xmlns:a16="http://schemas.microsoft.com/office/drawing/2014/main" id="{6D293448-2107-4EB7-AAB0-0B6316EC3D7C}"/>
+              </a:ext>
+            </a:extLst>
+          </p:cNvPr>
+          <p:cNvSpPr>
+            <a:spLocks noGrp="1"/>
+          </p:cNvSpPr>
+          <p:nvPr>
+            <p:ph idx="1"/>
+          </p:nvPr>
+        </p:nvSpPr>
+        <p:spPr>
+          <a:xfrm>
+            <a:off x="1295401" y="2556931"/>
+            <a:ext cx="9601196" cy="3551637"/>
+          </a:xfrm>
+        </p:spPr>
+        <p:txBody>
+          <a:bodyPr>
+            <a:normAutofit/>
+          </a:bodyPr>
+          <a:lstStyle/>
+          <a:p>
+            <a:r>
+              <a:rPr lang="zh-TW" altLang="en-US" dirty="0">
+                <a:latin typeface="微軟正黑體" panose="020B0604030504040204" pitchFamily="34" charset="-120"/>
+                <a:ea typeface="微軟正黑體" panose="020B0604030504040204" pitchFamily="34" charset="-120"/>
+              </a:rPr>
+              <a:t>一、服務項目其他討論</a:t>
+            </a:r>
+            <a:r>
+              <a:rPr lang="en-US" altLang="zh-TW" dirty="0">
+                <a:latin typeface="微軟正黑體" panose="020B0604030504040204" pitchFamily="34" charset="-120"/>
+                <a:ea typeface="微軟正黑體" panose="020B0604030504040204" pitchFamily="34" charset="-120"/>
+                <a:sym typeface="Wingdings" panose="05000000000000000000" pitchFamily="2" charset="2"/>
+              </a:rPr>
+              <a:t>:(</a:t>
+            </a:r>
+            <a:r>
+              <a:rPr lang="zh-TW" altLang="en-US" dirty="0">
+                <a:latin typeface="微軟正黑體" panose="020B0604030504040204" pitchFamily="34" charset="-120"/>
+                <a:ea typeface="微軟正黑體" panose="020B0604030504040204" pitchFamily="34" charset="-120"/>
+                <a:sym typeface="Wingdings" panose="05000000000000000000" pitchFamily="2" charset="2"/>
+              </a:rPr>
+              <a:t>是否納入項目</a:t>
+            </a:r>
+            <a:r>
+              <a:rPr lang="en-US" altLang="zh-TW" dirty="0">
+                <a:latin typeface="微軟正黑體" panose="020B0604030504040204" pitchFamily="34" charset="-120"/>
+                <a:ea typeface="微軟正黑體" panose="020B0604030504040204" pitchFamily="34" charset="-120"/>
+                <a:sym typeface="Wingdings" panose="05000000000000000000" pitchFamily="2" charset="2"/>
+              </a:rPr>
+              <a:t>)</a:t>
+            </a:r>
+            <a:endParaRPr lang="en-US" altLang="zh-TW" dirty="0">
+              <a:latin typeface="微軟正黑體" panose="020B0604030504040204" pitchFamily="34" charset="-120"/>
+              <a:ea typeface="微軟正黑體" panose="020B0604030504040204" pitchFamily="34" charset="-120"/>
+            </a:endParaRPr>
+          </a:p>
+          <a:p>
+            <a:pPr marL="0" indent="0">
+              <a:buNone/>
+            </a:pPr>
+            <a:r>
+              <a:rPr lang="en-US" altLang="zh-TW" dirty="0">
+                <a:latin typeface="微軟正黑體" panose="020B0604030504040204" pitchFamily="34" charset="-120"/>
+                <a:ea typeface="微軟正黑體" panose="020B0604030504040204" pitchFamily="34" charset="-120"/>
+              </a:rPr>
+              <a:t>	1</a:t>
+            </a:r>
+            <a:r>
+              <a:rPr lang="zh-TW" altLang="en-US" dirty="0">
+                <a:latin typeface="微軟正黑體" panose="020B0604030504040204" pitchFamily="34" charset="-120"/>
+                <a:ea typeface="微軟正黑體" panose="020B0604030504040204" pitchFamily="34" charset="-120"/>
+              </a:rPr>
+              <a:t>。老師請同學跑腿幫忙</a:t>
+            </a:r>
+            <a:endParaRPr lang="en-US" altLang="zh-TW" dirty="0">
+              <a:latin typeface="微軟正黑體" panose="020B0604030504040204" pitchFamily="34" charset="-120"/>
+              <a:ea typeface="微軟正黑體" panose="020B0604030504040204" pitchFamily="34" charset="-120"/>
+            </a:endParaRPr>
+          </a:p>
+          <a:p>
+            <a:pPr marL="0" indent="0">
+              <a:buNone/>
+            </a:pPr>
+            <a:r>
+              <a:rPr lang="en-US" altLang="zh-TW" dirty="0">
+                <a:latin typeface="微軟正黑體" panose="020B0604030504040204" pitchFamily="34" charset="-120"/>
+                <a:ea typeface="微軟正黑體" panose="020B0604030504040204" pitchFamily="34" charset="-120"/>
+              </a:rPr>
+              <a:t>	2</a:t>
+            </a:r>
+            <a:r>
+              <a:rPr lang="zh-TW" altLang="en-US" dirty="0">
+                <a:latin typeface="微軟正黑體" panose="020B0604030504040204" pitchFamily="34" charset="-120"/>
+                <a:ea typeface="微軟正黑體" panose="020B0604030504040204" pitchFamily="34" charset="-120"/>
+              </a:rPr>
+              <a:t>。預約老師討論時間</a:t>
+            </a:r>
+            <a:endParaRPr lang="en-US" altLang="zh-TW" dirty="0">
+              <a:latin typeface="微軟正黑體" panose="020B0604030504040204" pitchFamily="34" charset="-120"/>
+              <a:ea typeface="微軟正黑體" panose="020B0604030504040204" pitchFamily="34" charset="-120"/>
+            </a:endParaRPr>
+          </a:p>
+          <a:p>
+            <a:pPr marL="0" indent="0">
+              <a:buNone/>
+            </a:pPr>
+            <a:r>
+              <a:rPr lang="en-US" altLang="zh-TW" dirty="0">
+                <a:latin typeface="微軟正黑體" panose="020B0604030504040204" pitchFamily="34" charset="-120"/>
+                <a:ea typeface="微軟正黑體" panose="020B0604030504040204" pitchFamily="34" charset="-120"/>
+              </a:rPr>
+              <a:t>	3</a:t>
+            </a:r>
+            <a:r>
+              <a:rPr lang="zh-TW" altLang="en-US" dirty="0">
+                <a:latin typeface="微軟正黑體" panose="020B0604030504040204" pitchFamily="34" charset="-120"/>
+                <a:ea typeface="微軟正黑體" panose="020B0604030504040204" pitchFamily="34" charset="-120"/>
+              </a:rPr>
+              <a:t>。</a:t>
+            </a:r>
+            <a:endParaRPr lang="en-US" altLang="zh-TW" dirty="0">
+              <a:latin typeface="微軟正黑體" panose="020B0604030504040204" pitchFamily="34" charset="-120"/>
+              <a:ea typeface="微軟正黑體" panose="020B0604030504040204" pitchFamily="34" charset="-120"/>
+            </a:endParaRPr>
+          </a:p>
+        </p:txBody>
+      </p:sp>
+    </p:spTree>
+    <p:extLst>
+      <p:ext uri="{BB962C8B-B14F-4D97-AF65-F5344CB8AC3E}">
+        <p14:creationId xmlns:p14="http://schemas.microsoft.com/office/powerpoint/2010/main" val="4018495603"/>
+      </p:ext>
+    </p:extLst>
+  </p:cSld>
+  <p:clrMapOvr>
+    <a:masterClrMapping/>
+  </p:clrMapOvr>
+</p:sld>
+</file>
+
+<file path=ppt/slides/slide4.xml><?xml version="1.0" encoding="utf-8"?>
+<p:sld xmlns:a="http://schemas.openxmlformats.org/drawingml/2006/main" xmlns:r="http://schemas.openxmlformats.org/officeDocument/2006/relationships" xmlns:p="http://schemas.openxmlformats.org/presentationml/2006/main">
+  <p:cSld>
+    <p:spTree>
+      <p:nvGrpSpPr>
+        <p:cNvPr id="1" name=""/>
+        <p:cNvGrpSpPr/>
+        <p:nvPr/>
+      </p:nvGrpSpPr>
+      <p:grpSpPr>
+        <a:xfrm>
+          <a:off x="0" y="0"/>
+          <a:ext cx="0" cy="0"/>
+          <a:chOff x="0" y="0"/>
+          <a:chExt cx="0" cy="0"/>
+        </a:xfrm>
+      </p:grpSpPr>
+      <p:sp>
+        <p:nvSpPr>
+          <p:cNvPr id="2" name="標題 1">
+            <a:extLst>
+              <a:ext uri="{FF2B5EF4-FFF2-40B4-BE49-F238E27FC236}">
+                <a16:creationId xmlns:a16="http://schemas.microsoft.com/office/drawing/2014/main" id="{A9E473DA-FFCC-46ED-A06B-AA90C9A96315}"/>
+              </a:ext>
+            </a:extLst>
+          </p:cNvPr>
+          <p:cNvSpPr>
+            <a:spLocks noGrp="1"/>
+          </p:cNvSpPr>
+          <p:nvPr>
+            <p:ph type="title"/>
+          </p:nvPr>
+        </p:nvSpPr>
+        <p:spPr/>
+        <p:txBody>
+          <a:bodyPr/>
+          <a:lstStyle/>
+          <a:p>
+            <a:r>
+              <a:rPr lang="zh-TW" altLang="en-US" b="1" dirty="0"/>
+              <a:t>功能介紹</a:t>
+            </a:r>
+          </a:p>
+        </p:txBody>
+      </p:sp>
+      <p:sp>
+        <p:nvSpPr>
+          <p:cNvPr id="3" name="內容版面配置區 2">
+            <a:extLst>
+              <a:ext uri="{FF2B5EF4-FFF2-40B4-BE49-F238E27FC236}">
+                <a16:creationId xmlns:a16="http://schemas.microsoft.com/office/drawing/2014/main" id="{6D293448-2107-4EB7-AAB0-0B6316EC3D7C}"/>
+              </a:ext>
+            </a:extLst>
+          </p:cNvPr>
+          <p:cNvSpPr>
+            <a:spLocks noGrp="1"/>
+          </p:cNvSpPr>
+          <p:nvPr>
+            <p:ph idx="1"/>
+          </p:nvPr>
+        </p:nvSpPr>
+        <p:spPr/>
+        <p:txBody>
+          <a:bodyPr/>
+          <a:lstStyle/>
+          <a:p>
+            <a:r>
+              <a:rPr lang="zh-TW" altLang="en-US" dirty="0">
+                <a:latin typeface="微軟正黑體" panose="020B0604030504040204" pitchFamily="34" charset="-120"/>
+                <a:ea typeface="微軟正黑體" panose="020B0604030504040204" pitchFamily="34" charset="-120"/>
+              </a:rPr>
+              <a:t>二、錢包介紹 </a:t>
+            </a:r>
+            <a:r>
+              <a:rPr lang="en-US" altLang="zh-TW" dirty="0">
+                <a:latin typeface="微軟正黑體" panose="020B0604030504040204" pitchFamily="34" charset="-120"/>
+                <a:ea typeface="微軟正黑體" panose="020B0604030504040204" pitchFamily="34" charset="-120"/>
+              </a:rPr>
+              <a:t>&amp;</a:t>
+            </a:r>
+            <a:r>
+              <a:rPr lang="zh-TW" altLang="en-US" dirty="0">
+                <a:latin typeface="微軟正黑體" panose="020B0604030504040204" pitchFamily="34" charset="-120"/>
+                <a:ea typeface="微軟正黑體" panose="020B0604030504040204" pitchFamily="34" charset="-120"/>
+              </a:rPr>
+              <a:t> 註冊</a:t>
+            </a:r>
+            <a:r>
+              <a:rPr lang="en-US" altLang="zh-TW" dirty="0">
+                <a:latin typeface="微軟正黑體" panose="020B0604030504040204" pitchFamily="34" charset="-120"/>
+                <a:ea typeface="微軟正黑體" panose="020B0604030504040204" pitchFamily="34" charset="-120"/>
+              </a:rPr>
+              <a:t>:</a:t>
+            </a:r>
+          </a:p>
+          <a:p>
+            <a:pPr marL="0" indent="0">
+              <a:buNone/>
+            </a:pPr>
+            <a:r>
+              <a:rPr lang="en-US" altLang="zh-TW" dirty="0">
+                <a:latin typeface="微軟正黑體" panose="020B0604030504040204" pitchFamily="34" charset="-120"/>
+                <a:ea typeface="微軟正黑體" panose="020B0604030504040204" pitchFamily="34" charset="-120"/>
+              </a:rPr>
+              <a:t>	1</a:t>
+            </a:r>
+            <a:r>
+              <a:rPr lang="zh-TW" altLang="en-US" dirty="0">
+                <a:latin typeface="微軟正黑體" panose="020B0604030504040204" pitchFamily="34" charset="-120"/>
+                <a:ea typeface="微軟正黑體" panose="020B0604030504040204" pitchFamily="34" charset="-120"/>
+              </a:rPr>
+              <a:t>。</a:t>
+            </a:r>
+            <a:r>
+              <a:rPr lang="en-US" altLang="zh-TW" dirty="0">
+                <a:latin typeface="微軟正黑體" panose="020B0604030504040204" pitchFamily="34" charset="-120"/>
+                <a:ea typeface="微軟正黑體" panose="020B0604030504040204" pitchFamily="34" charset="-120"/>
+              </a:rPr>
+              <a:t>Layer-1</a:t>
+            </a:r>
+            <a:r>
+              <a:rPr lang="zh-TW" altLang="en-US" dirty="0">
+                <a:latin typeface="微軟正黑體" panose="020B0604030504040204" pitchFamily="34" charset="-120"/>
+                <a:ea typeface="微軟正黑體" panose="020B0604030504040204" pitchFamily="34" charset="-120"/>
+              </a:rPr>
+              <a:t> 不同錢包介紹</a:t>
+            </a:r>
+            <a:endParaRPr lang="en-US" altLang="zh-TW" dirty="0">
+              <a:latin typeface="微軟正黑體" panose="020B0604030504040204" pitchFamily="34" charset="-120"/>
+              <a:ea typeface="微軟正黑體" panose="020B0604030504040204" pitchFamily="34" charset="-120"/>
+            </a:endParaRPr>
+          </a:p>
+          <a:p>
+            <a:pPr marL="0" indent="0">
+              <a:buNone/>
+            </a:pPr>
+            <a:r>
+              <a:rPr lang="en-US" altLang="zh-TW" dirty="0">
+                <a:latin typeface="微軟正黑體" panose="020B0604030504040204" pitchFamily="34" charset="-120"/>
+                <a:ea typeface="微軟正黑體" panose="020B0604030504040204" pitchFamily="34" charset="-120"/>
+              </a:rPr>
+              <a:t>	2</a:t>
+            </a:r>
+            <a:r>
+              <a:rPr lang="zh-TW" altLang="en-US" dirty="0">
+                <a:latin typeface="微軟正黑體" panose="020B0604030504040204" pitchFamily="34" charset="-120"/>
+                <a:ea typeface="微軟正黑體" panose="020B0604030504040204" pitchFamily="34" charset="-120"/>
+              </a:rPr>
+              <a:t>。連結頁面註冊錢包</a:t>
+            </a:r>
+            <a:endParaRPr lang="en-US" altLang="zh-TW" dirty="0">
+              <a:latin typeface="微軟正黑體" panose="020B0604030504040204" pitchFamily="34" charset="-120"/>
+              <a:ea typeface="微軟正黑體" panose="020B0604030504040204" pitchFamily="34" charset="-120"/>
+            </a:endParaRPr>
+          </a:p>
+          <a:p>
+            <a:pPr marL="0" indent="0">
+              <a:buNone/>
+            </a:pPr>
+            <a:r>
+              <a:rPr lang="en-US" altLang="zh-TW" dirty="0">
+                <a:latin typeface="微軟正黑體" panose="020B0604030504040204" pitchFamily="34" charset="-120"/>
+                <a:ea typeface="微軟正黑體" panose="020B0604030504040204" pitchFamily="34" charset="-120"/>
+              </a:rPr>
+              <a:t>	</a:t>
+            </a:r>
+            <a:endParaRPr lang="zh-TW" altLang="en-US" dirty="0">
+              <a:latin typeface="微軟正黑體" panose="020B0604030504040204" pitchFamily="34" charset="-120"/>
+              <a:ea typeface="微軟正黑體" panose="020B0604030504040204" pitchFamily="34" charset="-120"/>
+            </a:endParaRPr>
+          </a:p>
+        </p:txBody>
+      </p:sp>
+    </p:spTree>
+    <p:extLst>
+      <p:ext uri="{BB962C8B-B14F-4D97-AF65-F5344CB8AC3E}">
+        <p14:creationId xmlns:p14="http://schemas.microsoft.com/office/powerpoint/2010/main" val="2419927536"/>
+      </p:ext>
+    </p:extLst>
+  </p:cSld>
+  <p:clrMapOvr>
+    <a:masterClrMapping/>
+  </p:clrMapOvr>
+</p:sld>
+</file>
+
+<file path=ppt/slides/slide5.xml><?xml version="1.0" encoding="utf-8"?>
+<p:sld xmlns:a="http://schemas.openxmlformats.org/drawingml/2006/main" xmlns:r="http://schemas.openxmlformats.org/officeDocument/2006/relationships" xmlns:p="http://schemas.openxmlformats.org/presentationml/2006/main">
+  <p:cSld>
+    <p:spTree>
+      <p:nvGrpSpPr>
+        <p:cNvPr id="1" name=""/>
+        <p:cNvGrpSpPr/>
+        <p:nvPr/>
+      </p:nvGrpSpPr>
+      <p:grpSpPr>
+        <a:xfrm>
+          <a:off x="0" y="0"/>
+          <a:ext cx="0" cy="0"/>
+          <a:chOff x="0" y="0"/>
+          <a:chExt cx="0" cy="0"/>
+        </a:xfrm>
+      </p:grpSpPr>
+      <p:sp>
+        <p:nvSpPr>
+          <p:cNvPr id="2" name="標題 1">
+            <a:extLst>
+              <a:ext uri="{FF2B5EF4-FFF2-40B4-BE49-F238E27FC236}">
+                <a16:creationId xmlns:a16="http://schemas.microsoft.com/office/drawing/2014/main" id="{A9E473DA-FFCC-46ED-A06B-AA90C9A96315}"/>
+              </a:ext>
+            </a:extLst>
+          </p:cNvPr>
+          <p:cNvSpPr>
+            <a:spLocks noGrp="1"/>
+          </p:cNvSpPr>
+          <p:nvPr>
+            <p:ph type="title"/>
+          </p:nvPr>
+        </p:nvSpPr>
+        <p:spPr/>
+        <p:txBody>
+          <a:bodyPr/>
+          <a:lstStyle/>
+          <a:p>
+            <a:r>
+              <a:rPr lang="zh-TW" altLang="en-US" b="1" dirty="0"/>
+              <a:t>功能介紹</a:t>
+            </a:r>
+          </a:p>
+        </p:txBody>
+      </p:sp>
+      <p:sp>
+        <p:nvSpPr>
+          <p:cNvPr id="3" name="內容版面配置區 2">
+            <a:extLst>
+              <a:ext uri="{FF2B5EF4-FFF2-40B4-BE49-F238E27FC236}">
+                <a16:creationId xmlns:a16="http://schemas.microsoft.com/office/drawing/2014/main" id="{6D293448-2107-4EB7-AAB0-0B6316EC3D7C}"/>
+              </a:ext>
+            </a:extLst>
+          </p:cNvPr>
+          <p:cNvSpPr>
+            <a:spLocks noGrp="1"/>
+          </p:cNvSpPr>
+          <p:nvPr>
+            <p:ph idx="1"/>
+          </p:nvPr>
+        </p:nvSpPr>
+        <p:spPr/>
+        <p:txBody>
+          <a:bodyPr/>
+          <a:lstStyle/>
+          <a:p>
+            <a:r>
+              <a:rPr lang="zh-TW" altLang="en-US" dirty="0">
+                <a:latin typeface="微軟正黑體" panose="020B0604030504040204" pitchFamily="34" charset="-120"/>
+                <a:ea typeface="微軟正黑體" panose="020B0604030504040204" pitchFamily="34" charset="-120"/>
+              </a:rPr>
+              <a:t>三、選擇交易方式</a:t>
+            </a:r>
+            <a:r>
+              <a:rPr lang="en-US" altLang="zh-TW" dirty="0">
+                <a:latin typeface="微軟正黑體" panose="020B0604030504040204" pitchFamily="34" charset="-120"/>
+                <a:ea typeface="微軟正黑體" panose="020B0604030504040204" pitchFamily="34" charset="-120"/>
+              </a:rPr>
+              <a:t>:</a:t>
+            </a:r>
+          </a:p>
+          <a:p>
+            <a:pPr marL="0" indent="0">
+              <a:buNone/>
+            </a:pPr>
+            <a:r>
+              <a:rPr lang="en-US" altLang="zh-TW" dirty="0">
+                <a:latin typeface="微軟正黑體" panose="020B0604030504040204" pitchFamily="34" charset="-120"/>
+                <a:ea typeface="微軟正黑體" panose="020B0604030504040204" pitchFamily="34" charset="-120"/>
+              </a:rPr>
+              <a:t>	1</a:t>
+            </a:r>
+            <a:r>
+              <a:rPr lang="zh-TW" altLang="en-US" dirty="0">
+                <a:latin typeface="微軟正黑體" panose="020B0604030504040204" pitchFamily="34" charset="-120"/>
+                <a:ea typeface="微軟正黑體" panose="020B0604030504040204" pitchFamily="34" charset="-120"/>
+              </a:rPr>
+              <a:t>。從第一項服務中選擇一個想請求幫忙的事項</a:t>
+            </a:r>
+            <a:endParaRPr lang="en-US" altLang="zh-TW" dirty="0">
+              <a:latin typeface="微軟正黑體" panose="020B0604030504040204" pitchFamily="34" charset="-120"/>
+              <a:ea typeface="微軟正黑體" panose="020B0604030504040204" pitchFamily="34" charset="-120"/>
+            </a:endParaRPr>
+          </a:p>
+          <a:p>
+            <a:pPr marL="0" indent="0">
+              <a:buNone/>
+            </a:pPr>
+            <a:r>
+              <a:rPr lang="en-US" altLang="zh-TW" dirty="0">
+                <a:latin typeface="微軟正黑體" panose="020B0604030504040204" pitchFamily="34" charset="-120"/>
+                <a:ea typeface="微軟正黑體" panose="020B0604030504040204" pitchFamily="34" charset="-120"/>
+              </a:rPr>
+              <a:t>	2</a:t>
+            </a:r>
+            <a:r>
+              <a:rPr lang="zh-TW" altLang="en-US" dirty="0">
+                <a:latin typeface="微軟正黑體" panose="020B0604030504040204" pitchFamily="34" charset="-120"/>
+                <a:ea typeface="微軟正黑體" panose="020B0604030504040204" pitchFamily="34" charset="-120"/>
+              </a:rPr>
+              <a:t>。選擇使用的交易方式</a:t>
+            </a:r>
+            <a:r>
+              <a:rPr lang="en-US" altLang="zh-TW" dirty="0">
+                <a:latin typeface="微軟正黑體" panose="020B0604030504040204" pitchFamily="34" charset="-120"/>
+                <a:ea typeface="微軟正黑體" panose="020B0604030504040204" pitchFamily="34" charset="-120"/>
+              </a:rPr>
+              <a:t>(</a:t>
+            </a:r>
+            <a:r>
+              <a:rPr lang="zh-TW" altLang="en-US" dirty="0">
+                <a:latin typeface="微軟正黑體" panose="020B0604030504040204" pitchFamily="34" charset="-120"/>
+                <a:ea typeface="微軟正黑體" panose="020B0604030504040204" pitchFamily="34" charset="-120"/>
+              </a:rPr>
+              <a:t>錢包</a:t>
+            </a:r>
+            <a:r>
+              <a:rPr lang="en-US" altLang="zh-TW" dirty="0">
+                <a:latin typeface="微軟正黑體" panose="020B0604030504040204" pitchFamily="34" charset="-120"/>
+                <a:ea typeface="微軟正黑體" panose="020B0604030504040204" pitchFamily="34" charset="-120"/>
+              </a:rPr>
+              <a:t>)</a:t>
+            </a:r>
+          </a:p>
+          <a:p>
+            <a:pPr marL="0" indent="0">
+              <a:buNone/>
+            </a:pPr>
+            <a:r>
+              <a:rPr lang="en-US" altLang="zh-TW" dirty="0">
+                <a:latin typeface="微軟正黑體" panose="020B0604030504040204" pitchFamily="34" charset="-120"/>
+                <a:ea typeface="微軟正黑體" panose="020B0604030504040204" pitchFamily="34" charset="-120"/>
+              </a:rPr>
+              <a:t>	3</a:t>
+            </a:r>
+            <a:r>
+              <a:rPr lang="zh-TW" altLang="en-US" dirty="0">
+                <a:latin typeface="微軟正黑體" panose="020B0604030504040204" pitchFamily="34" charset="-120"/>
+                <a:ea typeface="微軟正黑體" panose="020B0604030504040204" pitchFamily="34" charset="-120"/>
+              </a:rPr>
+              <a:t>。完成一次交易</a:t>
+            </a:r>
+          </a:p>
+        </p:txBody>
+      </p:sp>
+    </p:spTree>
+    <p:extLst>
+      <p:ext uri="{BB962C8B-B14F-4D97-AF65-F5344CB8AC3E}">
+        <p14:creationId xmlns:p14="http://schemas.microsoft.com/office/powerpoint/2010/main" val="3421685669"/>
+      </p:ext>
+    </p:extLst>
+  </p:cSld>
+  <p:clrMapOvr>
+    <a:masterClrMapping/>
+  </p:clrMapOvr>
+</p:sld>
+</file>
+
+<file path=ppt/slides/slide6.xml><?xml version="1.0" encoding="utf-8"?>
+<p:sld xmlns:a="http://schemas.openxmlformats.org/drawingml/2006/main" xmlns:r="http://schemas.openxmlformats.org/officeDocument/2006/relationships" xmlns:p="http://schemas.openxmlformats.org/presentationml/2006/main">
+  <p:cSld>
+    <p:spTree>
+      <p:nvGrpSpPr>
+        <p:cNvPr id="1" name=""/>
+        <p:cNvGrpSpPr/>
+        <p:nvPr/>
+      </p:nvGrpSpPr>
+      <p:grpSpPr>
+        <a:xfrm>
+          <a:off x="0" y="0"/>
+          <a:ext cx="0" cy="0"/>
+          <a:chOff x="0" y="0"/>
+          <a:chExt cx="0" cy="0"/>
+        </a:xfrm>
+      </p:grpSpPr>
+      <p:sp>
+        <p:nvSpPr>
+          <p:cNvPr id="2" name="標題 1">
+            <a:extLst>
+              <a:ext uri="{FF2B5EF4-FFF2-40B4-BE49-F238E27FC236}">
                 <a16:creationId xmlns:a16="http://schemas.microsoft.com/office/drawing/2014/main" id="{D759DD98-C0F0-41ED-900E-C451077CD0FD}"/>
               </a:ext>
             </a:extLst>
@@ -6104,808 +6906,6 @@
     <p:extLst>
       <p:ext uri="{BB962C8B-B14F-4D97-AF65-F5344CB8AC3E}">
         <p14:creationId xmlns:p14="http://schemas.microsoft.com/office/powerpoint/2010/main" val="3581332281"/>
-      </p:ext>
-    </p:extLst>
-  </p:cSld>
-  <p:clrMapOvr>
-    <a:masterClrMapping/>
-  </p:clrMapOvr>
-</p:sld>
-</file>
-
-<file path=ppt/slides/slide3.xml><?xml version="1.0" encoding="utf-8"?>
-<p:sld xmlns:a="http://schemas.openxmlformats.org/drawingml/2006/main" xmlns:r="http://schemas.openxmlformats.org/officeDocument/2006/relationships" xmlns:p="http://schemas.openxmlformats.org/presentationml/2006/main">
-  <p:cSld>
-    <p:spTree>
-      <p:nvGrpSpPr>
-        <p:cNvPr id="1" name=""/>
-        <p:cNvGrpSpPr/>
-        <p:nvPr/>
-      </p:nvGrpSpPr>
-      <p:grpSpPr>
-        <a:xfrm>
-          <a:off x="0" y="0"/>
-          <a:ext cx="0" cy="0"/>
-          <a:chOff x="0" y="0"/>
-          <a:chExt cx="0" cy="0"/>
-        </a:xfrm>
-      </p:grpSpPr>
-      <p:sp>
-        <p:nvSpPr>
-          <p:cNvPr id="2" name="標題 1">
-            <a:extLst>
-              <a:ext uri="{FF2B5EF4-FFF2-40B4-BE49-F238E27FC236}">
-                <a16:creationId xmlns:a16="http://schemas.microsoft.com/office/drawing/2014/main" id="{A9E473DA-FFCC-46ED-A06B-AA90C9A96315}"/>
-              </a:ext>
-            </a:extLst>
-          </p:cNvPr>
-          <p:cNvSpPr>
-            <a:spLocks noGrp="1"/>
-          </p:cNvSpPr>
-          <p:nvPr>
-            <p:ph type="title"/>
-          </p:nvPr>
-        </p:nvSpPr>
-        <p:spPr/>
-        <p:txBody>
-          <a:bodyPr/>
-          <a:lstStyle/>
-          <a:p>
-            <a:r>
-              <a:rPr lang="zh-TW" altLang="en-US" b="1" dirty="0"/>
-              <a:t>功能介紹</a:t>
-            </a:r>
-          </a:p>
-        </p:txBody>
-      </p:sp>
-      <p:sp>
-        <p:nvSpPr>
-          <p:cNvPr id="3" name="內容版面配置區 2">
-            <a:extLst>
-              <a:ext uri="{FF2B5EF4-FFF2-40B4-BE49-F238E27FC236}">
-                <a16:creationId xmlns:a16="http://schemas.microsoft.com/office/drawing/2014/main" id="{6D293448-2107-4EB7-AAB0-0B6316EC3D7C}"/>
-              </a:ext>
-            </a:extLst>
-          </p:cNvPr>
-          <p:cNvSpPr>
-            <a:spLocks noGrp="1"/>
-          </p:cNvSpPr>
-          <p:nvPr>
-            <p:ph idx="1"/>
-          </p:nvPr>
-        </p:nvSpPr>
-        <p:spPr>
-          <a:xfrm>
-            <a:off x="1295401" y="2556931"/>
-            <a:ext cx="9601196" cy="3551637"/>
-          </a:xfrm>
-        </p:spPr>
-        <p:txBody>
-          <a:bodyPr>
-            <a:normAutofit/>
-          </a:bodyPr>
-          <a:lstStyle/>
-          <a:p>
-            <a:r>
-              <a:rPr lang="zh-TW" altLang="en-US" dirty="0">
-                <a:latin typeface="微軟正黑體" panose="020B0604030504040204" pitchFamily="34" charset="-120"/>
-                <a:ea typeface="微軟正黑體" panose="020B0604030504040204" pitchFamily="34" charset="-120"/>
-              </a:rPr>
-              <a:t>一、服務項目</a:t>
-            </a:r>
-            <a:r>
-              <a:rPr lang="en-US" altLang="zh-TW" dirty="0">
-                <a:latin typeface="微軟正黑體" panose="020B0604030504040204" pitchFamily="34" charset="-120"/>
-                <a:ea typeface="微軟正黑體" panose="020B0604030504040204" pitchFamily="34" charset="-120"/>
-              </a:rPr>
-              <a:t>:</a:t>
-            </a:r>
-          </a:p>
-          <a:p>
-            <a:pPr marL="0" indent="0">
-              <a:buNone/>
-            </a:pPr>
-            <a:r>
-              <a:rPr lang="en-US" altLang="zh-TW" dirty="0">
-                <a:latin typeface="微軟正黑體" panose="020B0604030504040204" pitchFamily="34" charset="-120"/>
-                <a:ea typeface="微軟正黑體" panose="020B0604030504040204" pitchFamily="34" charset="-120"/>
-              </a:rPr>
-              <a:t>	1</a:t>
-            </a:r>
-            <a:r>
-              <a:rPr lang="zh-TW" altLang="en-US" dirty="0">
-                <a:latin typeface="微軟正黑體" panose="020B0604030504040204" pitchFamily="34" charset="-120"/>
-                <a:ea typeface="微軟正黑體" panose="020B0604030504040204" pitchFamily="34" charset="-120"/>
-              </a:rPr>
-              <a:t>。參考書借用</a:t>
-            </a:r>
-            <a:endParaRPr lang="en-US" altLang="zh-TW" dirty="0">
-              <a:latin typeface="微軟正黑體" panose="020B0604030504040204" pitchFamily="34" charset="-120"/>
-              <a:ea typeface="微軟正黑體" panose="020B0604030504040204" pitchFamily="34" charset="-120"/>
-            </a:endParaRPr>
-          </a:p>
-          <a:p>
-            <a:pPr marL="0" indent="0">
-              <a:buNone/>
-            </a:pPr>
-            <a:r>
-              <a:rPr lang="en-US" altLang="zh-TW" dirty="0">
-                <a:latin typeface="微軟正黑體" panose="020B0604030504040204" pitchFamily="34" charset="-120"/>
-                <a:ea typeface="微軟正黑體" panose="020B0604030504040204" pitchFamily="34" charset="-120"/>
-              </a:rPr>
-              <a:t>	2</a:t>
-            </a:r>
-            <a:r>
-              <a:rPr lang="zh-TW" altLang="en-US" dirty="0">
-                <a:latin typeface="微軟正黑體" panose="020B0604030504040204" pitchFamily="34" charset="-120"/>
-                <a:ea typeface="微軟正黑體" panose="020B0604030504040204" pitchFamily="34" charset="-120"/>
-              </a:rPr>
-              <a:t>。請老師寫推薦信</a:t>
-            </a:r>
-            <a:endParaRPr lang="en-US" altLang="zh-TW" dirty="0">
-              <a:latin typeface="微軟正黑體" panose="020B0604030504040204" pitchFamily="34" charset="-120"/>
-              <a:ea typeface="微軟正黑體" panose="020B0604030504040204" pitchFamily="34" charset="-120"/>
-            </a:endParaRPr>
-          </a:p>
-          <a:p>
-            <a:pPr marL="0" indent="0">
-              <a:buNone/>
-            </a:pPr>
-            <a:r>
-              <a:rPr lang="en-US" altLang="zh-TW" dirty="0">
-                <a:latin typeface="微軟正黑體" panose="020B0604030504040204" pitchFamily="34" charset="-120"/>
-                <a:ea typeface="微軟正黑體" panose="020B0604030504040204" pitchFamily="34" charset="-120"/>
-              </a:rPr>
-              <a:t>	3</a:t>
-            </a:r>
-            <a:r>
-              <a:rPr lang="zh-TW" altLang="en-US" dirty="0">
-                <a:latin typeface="微軟正黑體" panose="020B0604030504040204" pitchFamily="34" charset="-120"/>
-                <a:ea typeface="微軟正黑體" panose="020B0604030504040204" pitchFamily="34" charset="-120"/>
-              </a:rPr>
-              <a:t>。課程評論機制</a:t>
-            </a:r>
-            <a:endParaRPr lang="en-US" altLang="zh-TW" dirty="0">
-              <a:latin typeface="微軟正黑體" panose="020B0604030504040204" pitchFamily="34" charset="-120"/>
-              <a:ea typeface="微軟正黑體" panose="020B0604030504040204" pitchFamily="34" charset="-120"/>
-            </a:endParaRPr>
-          </a:p>
-          <a:p>
-            <a:pPr marL="0" indent="0">
-              <a:buNone/>
-            </a:pPr>
-            <a:r>
-              <a:rPr lang="en-US" altLang="zh-TW" dirty="0">
-                <a:latin typeface="微軟正黑體" panose="020B0604030504040204" pitchFamily="34" charset="-120"/>
-                <a:ea typeface="微軟正黑體" panose="020B0604030504040204" pitchFamily="34" charset="-120"/>
-              </a:rPr>
-              <a:t>	4</a:t>
-            </a:r>
-            <a:r>
-              <a:rPr lang="zh-TW" altLang="en-US" dirty="0">
-                <a:latin typeface="微軟正黑體" panose="020B0604030504040204" pitchFamily="34" charset="-120"/>
-                <a:ea typeface="微軟正黑體" panose="020B0604030504040204" pitchFamily="34" charset="-120"/>
-              </a:rPr>
-              <a:t>。信用兌換代幣</a:t>
-            </a:r>
-            <a:r>
-              <a:rPr lang="en-US" altLang="zh-TW" dirty="0">
-                <a:latin typeface="微軟正黑體" panose="020B0604030504040204" pitchFamily="34" charset="-120"/>
-                <a:ea typeface="微軟正黑體" panose="020B0604030504040204" pitchFamily="34" charset="-120"/>
-              </a:rPr>
-              <a:t>(</a:t>
-            </a:r>
-            <a:r>
-              <a:rPr lang="zh-TW" altLang="en-US" dirty="0">
-                <a:latin typeface="微軟正黑體" panose="020B0604030504040204" pitchFamily="34" charset="-120"/>
-                <a:ea typeface="微軟正黑體" panose="020B0604030504040204" pitchFamily="34" charset="-120"/>
-              </a:rPr>
-              <a:t>例 </a:t>
-            </a:r>
-            <a:r>
-              <a:rPr lang="en-US" altLang="zh-TW" dirty="0">
-                <a:latin typeface="微軟正黑體" panose="020B0604030504040204" pitchFamily="34" charset="-120"/>
-                <a:ea typeface="微軟正黑體" panose="020B0604030504040204" pitchFamily="34" charset="-120"/>
-              </a:rPr>
-              <a:t>: 30</a:t>
-            </a:r>
-            <a:r>
-              <a:rPr lang="zh-TW" altLang="en-US" dirty="0">
-                <a:latin typeface="微軟正黑體" panose="020B0604030504040204" pitchFamily="34" charset="-120"/>
-                <a:ea typeface="微軟正黑體" panose="020B0604030504040204" pitchFamily="34" charset="-120"/>
-              </a:rPr>
-              <a:t>信用兌換一點代幣</a:t>
-            </a:r>
-            <a:r>
-              <a:rPr lang="en-US" altLang="zh-TW" dirty="0">
-                <a:latin typeface="微軟正黑體" panose="020B0604030504040204" pitchFamily="34" charset="-120"/>
-                <a:ea typeface="微軟正黑體" panose="020B0604030504040204" pitchFamily="34" charset="-120"/>
-              </a:rPr>
-              <a:t>)</a:t>
-            </a:r>
-          </a:p>
-          <a:p>
-            <a:pPr marL="0" indent="0">
-              <a:buNone/>
-            </a:pPr>
-            <a:r>
-              <a:rPr lang="en-US" altLang="zh-TW" dirty="0">
-                <a:latin typeface="微軟正黑體" panose="020B0604030504040204" pitchFamily="34" charset="-120"/>
-                <a:ea typeface="微軟正黑體" panose="020B0604030504040204" pitchFamily="34" charset="-120"/>
-              </a:rPr>
-              <a:t>	5</a:t>
-            </a:r>
-            <a:r>
-              <a:rPr lang="zh-TW" altLang="en-US" dirty="0">
-                <a:latin typeface="微軟正黑體" panose="020B0604030504040204" pitchFamily="34" charset="-120"/>
-                <a:ea typeface="微軟正黑體" panose="020B0604030504040204" pitchFamily="34" charset="-120"/>
-              </a:rPr>
-              <a:t>。提供其他新增項目</a:t>
-            </a:r>
-          </a:p>
-        </p:txBody>
-      </p:sp>
-    </p:spTree>
-    <p:extLst>
-      <p:ext uri="{BB962C8B-B14F-4D97-AF65-F5344CB8AC3E}">
-        <p14:creationId xmlns:p14="http://schemas.microsoft.com/office/powerpoint/2010/main" val="220416637"/>
-      </p:ext>
-    </p:extLst>
-  </p:cSld>
-  <p:clrMapOvr>
-    <a:masterClrMapping/>
-  </p:clrMapOvr>
-</p:sld>
-</file>
-
-<file path=ppt/slides/slide4.xml><?xml version="1.0" encoding="utf-8"?>
-<p:sld xmlns:a="http://schemas.openxmlformats.org/drawingml/2006/main" xmlns:r="http://schemas.openxmlformats.org/officeDocument/2006/relationships" xmlns:p="http://schemas.openxmlformats.org/presentationml/2006/main">
-  <p:cSld>
-    <p:spTree>
-      <p:nvGrpSpPr>
-        <p:cNvPr id="1" name=""/>
-        <p:cNvGrpSpPr/>
-        <p:nvPr/>
-      </p:nvGrpSpPr>
-      <p:grpSpPr>
-        <a:xfrm>
-          <a:off x="0" y="0"/>
-          <a:ext cx="0" cy="0"/>
-          <a:chOff x="0" y="0"/>
-          <a:chExt cx="0" cy="0"/>
-        </a:xfrm>
-      </p:grpSpPr>
-      <p:sp>
-        <p:nvSpPr>
-          <p:cNvPr id="2" name="標題 1">
-            <a:extLst>
-              <a:ext uri="{FF2B5EF4-FFF2-40B4-BE49-F238E27FC236}">
-                <a16:creationId xmlns:a16="http://schemas.microsoft.com/office/drawing/2014/main" id="{A9E473DA-FFCC-46ED-A06B-AA90C9A96315}"/>
-              </a:ext>
-            </a:extLst>
-          </p:cNvPr>
-          <p:cNvSpPr>
-            <a:spLocks noGrp="1"/>
-          </p:cNvSpPr>
-          <p:nvPr>
-            <p:ph type="title"/>
-          </p:nvPr>
-        </p:nvSpPr>
-        <p:spPr/>
-        <p:txBody>
-          <a:bodyPr/>
-          <a:lstStyle/>
-          <a:p>
-            <a:r>
-              <a:rPr lang="zh-TW" altLang="en-US" b="1" dirty="0"/>
-              <a:t>功能介紹</a:t>
-            </a:r>
-          </a:p>
-        </p:txBody>
-      </p:sp>
-      <p:sp>
-        <p:nvSpPr>
-          <p:cNvPr id="3" name="內容版面配置區 2">
-            <a:extLst>
-              <a:ext uri="{FF2B5EF4-FFF2-40B4-BE49-F238E27FC236}">
-                <a16:creationId xmlns:a16="http://schemas.microsoft.com/office/drawing/2014/main" id="{6D293448-2107-4EB7-AAB0-0B6316EC3D7C}"/>
-              </a:ext>
-            </a:extLst>
-          </p:cNvPr>
-          <p:cNvSpPr>
-            <a:spLocks noGrp="1"/>
-          </p:cNvSpPr>
-          <p:nvPr>
-            <p:ph idx="1"/>
-          </p:nvPr>
-        </p:nvSpPr>
-        <p:spPr>
-          <a:xfrm>
-            <a:off x="1295401" y="2556931"/>
-            <a:ext cx="9601196" cy="3551637"/>
-          </a:xfrm>
-        </p:spPr>
-        <p:txBody>
-          <a:bodyPr>
-            <a:normAutofit/>
-          </a:bodyPr>
-          <a:lstStyle/>
-          <a:p>
-            <a:r>
-              <a:rPr lang="zh-TW" altLang="en-US" dirty="0">
-                <a:latin typeface="微軟正黑體" panose="020B0604030504040204" pitchFamily="34" charset="-120"/>
-                <a:ea typeface="微軟正黑體" panose="020B0604030504040204" pitchFamily="34" charset="-120"/>
-              </a:rPr>
-              <a:t>一、服務項目其他討論</a:t>
-            </a:r>
-            <a:r>
-              <a:rPr lang="en-US" altLang="zh-TW" dirty="0">
-                <a:latin typeface="微軟正黑體" panose="020B0604030504040204" pitchFamily="34" charset="-120"/>
-                <a:ea typeface="微軟正黑體" panose="020B0604030504040204" pitchFamily="34" charset="-120"/>
-                <a:sym typeface="Wingdings" panose="05000000000000000000" pitchFamily="2" charset="2"/>
-              </a:rPr>
-              <a:t>:(</a:t>
-            </a:r>
-            <a:r>
-              <a:rPr lang="zh-TW" altLang="en-US" dirty="0">
-                <a:latin typeface="微軟正黑體" panose="020B0604030504040204" pitchFamily="34" charset="-120"/>
-                <a:ea typeface="微軟正黑體" panose="020B0604030504040204" pitchFamily="34" charset="-120"/>
-                <a:sym typeface="Wingdings" panose="05000000000000000000" pitchFamily="2" charset="2"/>
-              </a:rPr>
-              <a:t>是否納入項目</a:t>
-            </a:r>
-            <a:r>
-              <a:rPr lang="en-US" altLang="zh-TW" dirty="0">
-                <a:latin typeface="微軟正黑體" panose="020B0604030504040204" pitchFamily="34" charset="-120"/>
-                <a:ea typeface="微軟正黑體" panose="020B0604030504040204" pitchFamily="34" charset="-120"/>
-                <a:sym typeface="Wingdings" panose="05000000000000000000" pitchFamily="2" charset="2"/>
-              </a:rPr>
-              <a:t>)</a:t>
-            </a:r>
-            <a:endParaRPr lang="en-US" altLang="zh-TW" dirty="0">
-              <a:latin typeface="微軟正黑體" panose="020B0604030504040204" pitchFamily="34" charset="-120"/>
-              <a:ea typeface="微軟正黑體" panose="020B0604030504040204" pitchFamily="34" charset="-120"/>
-            </a:endParaRPr>
-          </a:p>
-          <a:p>
-            <a:pPr marL="0" indent="0">
-              <a:buNone/>
-            </a:pPr>
-            <a:r>
-              <a:rPr lang="en-US" altLang="zh-TW" dirty="0">
-                <a:latin typeface="微軟正黑體" panose="020B0604030504040204" pitchFamily="34" charset="-120"/>
-                <a:ea typeface="微軟正黑體" panose="020B0604030504040204" pitchFamily="34" charset="-120"/>
-              </a:rPr>
-              <a:t>	1</a:t>
-            </a:r>
-            <a:r>
-              <a:rPr lang="zh-TW" altLang="en-US" dirty="0">
-                <a:latin typeface="微軟正黑體" panose="020B0604030504040204" pitchFamily="34" charset="-120"/>
-                <a:ea typeface="微軟正黑體" panose="020B0604030504040204" pitchFamily="34" charset="-120"/>
-              </a:rPr>
-              <a:t>。跑腿幫忙</a:t>
-            </a:r>
-            <a:endParaRPr lang="en-US" altLang="zh-TW" dirty="0">
-              <a:latin typeface="微軟正黑體" panose="020B0604030504040204" pitchFamily="34" charset="-120"/>
-              <a:ea typeface="微軟正黑體" panose="020B0604030504040204" pitchFamily="34" charset="-120"/>
-            </a:endParaRPr>
-          </a:p>
-          <a:p>
-            <a:pPr marL="0" indent="0">
-              <a:buNone/>
-            </a:pPr>
-            <a:r>
-              <a:rPr lang="en-US" altLang="zh-TW" dirty="0">
-                <a:latin typeface="微軟正黑體" panose="020B0604030504040204" pitchFamily="34" charset="-120"/>
-                <a:ea typeface="微軟正黑體" panose="020B0604030504040204" pitchFamily="34" charset="-120"/>
-              </a:rPr>
-              <a:t>	2</a:t>
-            </a:r>
-            <a:r>
-              <a:rPr lang="zh-TW" altLang="en-US" dirty="0">
-                <a:latin typeface="微軟正黑體" panose="020B0604030504040204" pitchFamily="34" charset="-120"/>
-                <a:ea typeface="微軟正黑體" panose="020B0604030504040204" pitchFamily="34" charset="-120"/>
-              </a:rPr>
-              <a:t>。預約老師討論時間</a:t>
-            </a:r>
-            <a:endParaRPr lang="en-US" altLang="zh-TW" dirty="0">
-              <a:latin typeface="微軟正黑體" panose="020B0604030504040204" pitchFamily="34" charset="-120"/>
-              <a:ea typeface="微軟正黑體" panose="020B0604030504040204" pitchFamily="34" charset="-120"/>
-            </a:endParaRPr>
-          </a:p>
-          <a:p>
-            <a:pPr marL="0" indent="0">
-              <a:buNone/>
-            </a:pPr>
-            <a:r>
-              <a:rPr lang="en-US" altLang="zh-TW" dirty="0">
-                <a:latin typeface="微軟正黑體" panose="020B0604030504040204" pitchFamily="34" charset="-120"/>
-                <a:ea typeface="微軟正黑體" panose="020B0604030504040204" pitchFamily="34" charset="-120"/>
-              </a:rPr>
-              <a:t>	3</a:t>
-            </a:r>
-            <a:r>
-              <a:rPr lang="zh-TW" altLang="en-US" dirty="0">
-                <a:latin typeface="微軟正黑體" panose="020B0604030504040204" pitchFamily="34" charset="-120"/>
-                <a:ea typeface="微軟正黑體" panose="020B0604030504040204" pitchFamily="34" charset="-120"/>
-              </a:rPr>
-              <a:t>。</a:t>
-            </a:r>
-            <a:endParaRPr lang="en-US" altLang="zh-TW" dirty="0">
-              <a:latin typeface="微軟正黑體" panose="020B0604030504040204" pitchFamily="34" charset="-120"/>
-              <a:ea typeface="微軟正黑體" panose="020B0604030504040204" pitchFamily="34" charset="-120"/>
-            </a:endParaRPr>
-          </a:p>
-        </p:txBody>
-      </p:sp>
-    </p:spTree>
-    <p:extLst>
-      <p:ext uri="{BB962C8B-B14F-4D97-AF65-F5344CB8AC3E}">
-        <p14:creationId xmlns:p14="http://schemas.microsoft.com/office/powerpoint/2010/main" val="4018495603"/>
-      </p:ext>
-    </p:extLst>
-  </p:cSld>
-  <p:clrMapOvr>
-    <a:masterClrMapping/>
-  </p:clrMapOvr>
-</p:sld>
-</file>
-
-<file path=ppt/slides/slide5.xml><?xml version="1.0" encoding="utf-8"?>
-<p:sld xmlns:a="http://schemas.openxmlformats.org/drawingml/2006/main" xmlns:r="http://schemas.openxmlformats.org/officeDocument/2006/relationships" xmlns:p="http://schemas.openxmlformats.org/presentationml/2006/main">
-  <p:cSld>
-    <p:spTree>
-      <p:nvGrpSpPr>
-        <p:cNvPr id="1" name=""/>
-        <p:cNvGrpSpPr/>
-        <p:nvPr/>
-      </p:nvGrpSpPr>
-      <p:grpSpPr>
-        <a:xfrm>
-          <a:off x="0" y="0"/>
-          <a:ext cx="0" cy="0"/>
-          <a:chOff x="0" y="0"/>
-          <a:chExt cx="0" cy="0"/>
-        </a:xfrm>
-      </p:grpSpPr>
-      <p:sp>
-        <p:nvSpPr>
-          <p:cNvPr id="2" name="標題 1">
-            <a:extLst>
-              <a:ext uri="{FF2B5EF4-FFF2-40B4-BE49-F238E27FC236}">
-                <a16:creationId xmlns:a16="http://schemas.microsoft.com/office/drawing/2014/main" id="{A9E473DA-FFCC-46ED-A06B-AA90C9A96315}"/>
-              </a:ext>
-            </a:extLst>
-          </p:cNvPr>
-          <p:cNvSpPr>
-            <a:spLocks noGrp="1"/>
-          </p:cNvSpPr>
-          <p:nvPr>
-            <p:ph type="title"/>
-          </p:nvPr>
-        </p:nvSpPr>
-        <p:spPr/>
-        <p:txBody>
-          <a:bodyPr/>
-          <a:lstStyle/>
-          <a:p>
-            <a:r>
-              <a:rPr lang="zh-TW" altLang="en-US" b="1" dirty="0"/>
-              <a:t>功能介紹</a:t>
-            </a:r>
-          </a:p>
-        </p:txBody>
-      </p:sp>
-      <p:sp>
-        <p:nvSpPr>
-          <p:cNvPr id="3" name="內容版面配置區 2">
-            <a:extLst>
-              <a:ext uri="{FF2B5EF4-FFF2-40B4-BE49-F238E27FC236}">
-                <a16:creationId xmlns:a16="http://schemas.microsoft.com/office/drawing/2014/main" id="{6D293448-2107-4EB7-AAB0-0B6316EC3D7C}"/>
-              </a:ext>
-            </a:extLst>
-          </p:cNvPr>
-          <p:cNvSpPr>
-            <a:spLocks noGrp="1"/>
-          </p:cNvSpPr>
-          <p:nvPr>
-            <p:ph idx="1"/>
-          </p:nvPr>
-        </p:nvSpPr>
-        <p:spPr/>
-        <p:txBody>
-          <a:bodyPr/>
-          <a:lstStyle/>
-          <a:p>
-            <a:r>
-              <a:rPr lang="zh-TW" altLang="en-US" dirty="0">
-                <a:latin typeface="微軟正黑體" panose="020B0604030504040204" pitchFamily="34" charset="-120"/>
-                <a:ea typeface="微軟正黑體" panose="020B0604030504040204" pitchFamily="34" charset="-120"/>
-              </a:rPr>
-              <a:t>二、錢包介紹 </a:t>
-            </a:r>
-            <a:r>
-              <a:rPr lang="en-US" altLang="zh-TW" dirty="0">
-                <a:latin typeface="微軟正黑體" panose="020B0604030504040204" pitchFamily="34" charset="-120"/>
-                <a:ea typeface="微軟正黑體" panose="020B0604030504040204" pitchFamily="34" charset="-120"/>
-              </a:rPr>
-              <a:t>&amp;</a:t>
-            </a:r>
-            <a:r>
-              <a:rPr lang="zh-TW" altLang="en-US" dirty="0">
-                <a:latin typeface="微軟正黑體" panose="020B0604030504040204" pitchFamily="34" charset="-120"/>
-                <a:ea typeface="微軟正黑體" panose="020B0604030504040204" pitchFamily="34" charset="-120"/>
-              </a:rPr>
-              <a:t> 註冊</a:t>
-            </a:r>
-            <a:r>
-              <a:rPr lang="en-US" altLang="zh-TW" dirty="0">
-                <a:latin typeface="微軟正黑體" panose="020B0604030504040204" pitchFamily="34" charset="-120"/>
-                <a:ea typeface="微軟正黑體" panose="020B0604030504040204" pitchFamily="34" charset="-120"/>
-              </a:rPr>
-              <a:t>:</a:t>
-            </a:r>
-          </a:p>
-          <a:p>
-            <a:pPr marL="0" indent="0">
-              <a:buNone/>
-            </a:pPr>
-            <a:r>
-              <a:rPr lang="en-US" altLang="zh-TW" dirty="0">
-                <a:latin typeface="微軟正黑體" panose="020B0604030504040204" pitchFamily="34" charset="-120"/>
-                <a:ea typeface="微軟正黑體" panose="020B0604030504040204" pitchFamily="34" charset="-120"/>
-              </a:rPr>
-              <a:t>	1</a:t>
-            </a:r>
-            <a:r>
-              <a:rPr lang="zh-TW" altLang="en-US" dirty="0">
-                <a:latin typeface="微軟正黑體" panose="020B0604030504040204" pitchFamily="34" charset="-120"/>
-                <a:ea typeface="微軟正黑體" panose="020B0604030504040204" pitchFamily="34" charset="-120"/>
-              </a:rPr>
-              <a:t>。</a:t>
-            </a:r>
-            <a:r>
-              <a:rPr lang="en-US" altLang="zh-TW" dirty="0">
-                <a:latin typeface="微軟正黑體" panose="020B0604030504040204" pitchFamily="34" charset="-120"/>
-                <a:ea typeface="微軟正黑體" panose="020B0604030504040204" pitchFamily="34" charset="-120"/>
-              </a:rPr>
-              <a:t>Layer-1</a:t>
-            </a:r>
-            <a:r>
-              <a:rPr lang="zh-TW" altLang="en-US" dirty="0">
-                <a:latin typeface="微軟正黑體" panose="020B0604030504040204" pitchFamily="34" charset="-120"/>
-                <a:ea typeface="微軟正黑體" panose="020B0604030504040204" pitchFamily="34" charset="-120"/>
-              </a:rPr>
-              <a:t> 不同錢包介紹</a:t>
-            </a:r>
-            <a:endParaRPr lang="en-US" altLang="zh-TW" dirty="0">
-              <a:latin typeface="微軟正黑體" panose="020B0604030504040204" pitchFamily="34" charset="-120"/>
-              <a:ea typeface="微軟正黑體" panose="020B0604030504040204" pitchFamily="34" charset="-120"/>
-            </a:endParaRPr>
-          </a:p>
-          <a:p>
-            <a:pPr marL="0" indent="0">
-              <a:buNone/>
-            </a:pPr>
-            <a:r>
-              <a:rPr lang="en-US" altLang="zh-TW" dirty="0">
-                <a:latin typeface="微軟正黑體" panose="020B0604030504040204" pitchFamily="34" charset="-120"/>
-                <a:ea typeface="微軟正黑體" panose="020B0604030504040204" pitchFamily="34" charset="-120"/>
-              </a:rPr>
-              <a:t>	2</a:t>
-            </a:r>
-            <a:r>
-              <a:rPr lang="zh-TW" altLang="en-US" dirty="0">
-                <a:latin typeface="微軟正黑體" panose="020B0604030504040204" pitchFamily="34" charset="-120"/>
-                <a:ea typeface="微軟正黑體" panose="020B0604030504040204" pitchFamily="34" charset="-120"/>
-              </a:rPr>
-              <a:t>。連結頁面註冊錢包</a:t>
-            </a:r>
-            <a:endParaRPr lang="en-US" altLang="zh-TW" dirty="0">
-              <a:latin typeface="微軟正黑體" panose="020B0604030504040204" pitchFamily="34" charset="-120"/>
-              <a:ea typeface="微軟正黑體" panose="020B0604030504040204" pitchFamily="34" charset="-120"/>
-            </a:endParaRPr>
-          </a:p>
-          <a:p>
-            <a:pPr marL="0" indent="0">
-              <a:buNone/>
-            </a:pPr>
-            <a:r>
-              <a:rPr lang="en-US" altLang="zh-TW" dirty="0">
-                <a:latin typeface="微軟正黑體" panose="020B0604030504040204" pitchFamily="34" charset="-120"/>
-                <a:ea typeface="微軟正黑體" panose="020B0604030504040204" pitchFamily="34" charset="-120"/>
-              </a:rPr>
-              <a:t>	</a:t>
-            </a:r>
-            <a:endParaRPr lang="zh-TW" altLang="en-US" dirty="0">
-              <a:latin typeface="微軟正黑體" panose="020B0604030504040204" pitchFamily="34" charset="-120"/>
-              <a:ea typeface="微軟正黑體" panose="020B0604030504040204" pitchFamily="34" charset="-120"/>
-            </a:endParaRPr>
-          </a:p>
-        </p:txBody>
-      </p:sp>
-    </p:spTree>
-    <p:extLst>
-      <p:ext uri="{BB962C8B-B14F-4D97-AF65-F5344CB8AC3E}">
-        <p14:creationId xmlns:p14="http://schemas.microsoft.com/office/powerpoint/2010/main" val="2419927536"/>
-      </p:ext>
-    </p:extLst>
-  </p:cSld>
-  <p:clrMapOvr>
-    <a:masterClrMapping/>
-  </p:clrMapOvr>
-</p:sld>
-</file>
-
-<file path=ppt/slides/slide6.xml><?xml version="1.0" encoding="utf-8"?>
-<p:sld xmlns:a="http://schemas.openxmlformats.org/drawingml/2006/main" xmlns:r="http://schemas.openxmlformats.org/officeDocument/2006/relationships" xmlns:p="http://schemas.openxmlformats.org/presentationml/2006/main">
-  <p:cSld>
-    <p:spTree>
-      <p:nvGrpSpPr>
-        <p:cNvPr id="1" name=""/>
-        <p:cNvGrpSpPr/>
-        <p:nvPr/>
-      </p:nvGrpSpPr>
-      <p:grpSpPr>
-        <a:xfrm>
-          <a:off x="0" y="0"/>
-          <a:ext cx="0" cy="0"/>
-          <a:chOff x="0" y="0"/>
-          <a:chExt cx="0" cy="0"/>
-        </a:xfrm>
-      </p:grpSpPr>
-      <p:sp>
-        <p:nvSpPr>
-          <p:cNvPr id="2" name="標題 1">
-            <a:extLst>
-              <a:ext uri="{FF2B5EF4-FFF2-40B4-BE49-F238E27FC236}">
-                <a16:creationId xmlns:a16="http://schemas.microsoft.com/office/drawing/2014/main" id="{A9E473DA-FFCC-46ED-A06B-AA90C9A96315}"/>
-              </a:ext>
-            </a:extLst>
-          </p:cNvPr>
-          <p:cNvSpPr>
-            <a:spLocks noGrp="1"/>
-          </p:cNvSpPr>
-          <p:nvPr>
-            <p:ph type="title"/>
-          </p:nvPr>
-        </p:nvSpPr>
-        <p:spPr/>
-        <p:txBody>
-          <a:bodyPr/>
-          <a:lstStyle/>
-          <a:p>
-            <a:r>
-              <a:rPr lang="zh-TW" altLang="en-US" b="1" dirty="0"/>
-              <a:t>功能介紹</a:t>
-            </a:r>
-          </a:p>
-        </p:txBody>
-      </p:sp>
-      <p:sp>
-        <p:nvSpPr>
-          <p:cNvPr id="3" name="內容版面配置區 2">
-            <a:extLst>
-              <a:ext uri="{FF2B5EF4-FFF2-40B4-BE49-F238E27FC236}">
-                <a16:creationId xmlns:a16="http://schemas.microsoft.com/office/drawing/2014/main" id="{6D293448-2107-4EB7-AAB0-0B6316EC3D7C}"/>
-              </a:ext>
-            </a:extLst>
-          </p:cNvPr>
-          <p:cNvSpPr>
-            <a:spLocks noGrp="1"/>
-          </p:cNvSpPr>
-          <p:nvPr>
-            <p:ph idx="1"/>
-          </p:nvPr>
-        </p:nvSpPr>
-        <p:spPr/>
-        <p:txBody>
-          <a:bodyPr/>
-          <a:lstStyle/>
-          <a:p>
-            <a:r>
-              <a:rPr lang="zh-TW" altLang="en-US" dirty="0">
-                <a:latin typeface="微軟正黑體" panose="020B0604030504040204" pitchFamily="34" charset="-120"/>
-                <a:ea typeface="微軟正黑體" panose="020B0604030504040204" pitchFamily="34" charset="-120"/>
-              </a:rPr>
-              <a:t>三、選擇交易方式</a:t>
-            </a:r>
-            <a:r>
-              <a:rPr lang="en-US" altLang="zh-TW" dirty="0">
-                <a:latin typeface="微軟正黑體" panose="020B0604030504040204" pitchFamily="34" charset="-120"/>
-                <a:ea typeface="微軟正黑體" panose="020B0604030504040204" pitchFamily="34" charset="-120"/>
-              </a:rPr>
-              <a:t>:</a:t>
-            </a:r>
-          </a:p>
-          <a:p>
-            <a:pPr marL="0" indent="0">
-              <a:buNone/>
-            </a:pPr>
-            <a:r>
-              <a:rPr lang="en-US" altLang="zh-TW" dirty="0">
-                <a:latin typeface="微軟正黑體" panose="020B0604030504040204" pitchFamily="34" charset="-120"/>
-                <a:ea typeface="微軟正黑體" panose="020B0604030504040204" pitchFamily="34" charset="-120"/>
-              </a:rPr>
-              <a:t>	1</a:t>
-            </a:r>
-            <a:r>
-              <a:rPr lang="zh-TW" altLang="en-US" dirty="0">
-                <a:latin typeface="微軟正黑體" panose="020B0604030504040204" pitchFamily="34" charset="-120"/>
-                <a:ea typeface="微軟正黑體" panose="020B0604030504040204" pitchFamily="34" charset="-120"/>
-              </a:rPr>
-              <a:t>。從第一項服務中選擇一個想請求幫忙的事項</a:t>
-            </a:r>
-            <a:endParaRPr lang="en-US" altLang="zh-TW" dirty="0">
-              <a:latin typeface="微軟正黑體" panose="020B0604030504040204" pitchFamily="34" charset="-120"/>
-              <a:ea typeface="微軟正黑體" panose="020B0604030504040204" pitchFamily="34" charset="-120"/>
-            </a:endParaRPr>
-          </a:p>
-          <a:p>
-            <a:pPr marL="0" indent="0">
-              <a:buNone/>
-            </a:pPr>
-            <a:r>
-              <a:rPr lang="en-US" altLang="zh-TW" dirty="0">
-                <a:latin typeface="微軟正黑體" panose="020B0604030504040204" pitchFamily="34" charset="-120"/>
-                <a:ea typeface="微軟正黑體" panose="020B0604030504040204" pitchFamily="34" charset="-120"/>
-              </a:rPr>
-              <a:t>	2</a:t>
-            </a:r>
-            <a:r>
-              <a:rPr lang="zh-TW" altLang="en-US" dirty="0">
-                <a:latin typeface="微軟正黑體" panose="020B0604030504040204" pitchFamily="34" charset="-120"/>
-                <a:ea typeface="微軟正黑體" panose="020B0604030504040204" pitchFamily="34" charset="-120"/>
-              </a:rPr>
-              <a:t>。選擇使用的交易方式</a:t>
-            </a:r>
-            <a:r>
-              <a:rPr lang="en-US" altLang="zh-TW" dirty="0">
-                <a:latin typeface="微軟正黑體" panose="020B0604030504040204" pitchFamily="34" charset="-120"/>
-                <a:ea typeface="微軟正黑體" panose="020B0604030504040204" pitchFamily="34" charset="-120"/>
-              </a:rPr>
-              <a:t>(</a:t>
-            </a:r>
-            <a:r>
-              <a:rPr lang="zh-TW" altLang="en-US" dirty="0">
-                <a:latin typeface="微軟正黑體" panose="020B0604030504040204" pitchFamily="34" charset="-120"/>
-                <a:ea typeface="微軟正黑體" panose="020B0604030504040204" pitchFamily="34" charset="-120"/>
-              </a:rPr>
-              <a:t>錢包</a:t>
-            </a:r>
-            <a:r>
-              <a:rPr lang="en-US" altLang="zh-TW" dirty="0">
-                <a:latin typeface="微軟正黑體" panose="020B0604030504040204" pitchFamily="34" charset="-120"/>
-                <a:ea typeface="微軟正黑體" panose="020B0604030504040204" pitchFamily="34" charset="-120"/>
-              </a:rPr>
-              <a:t>)</a:t>
-            </a:r>
-          </a:p>
-          <a:p>
-            <a:pPr marL="0" indent="0">
-              <a:buNone/>
-            </a:pPr>
-            <a:r>
-              <a:rPr lang="en-US" altLang="zh-TW" dirty="0">
-                <a:latin typeface="微軟正黑體" panose="020B0604030504040204" pitchFamily="34" charset="-120"/>
-                <a:ea typeface="微軟正黑體" panose="020B0604030504040204" pitchFamily="34" charset="-120"/>
-              </a:rPr>
-              <a:t>	3</a:t>
-            </a:r>
-            <a:r>
-              <a:rPr lang="zh-TW" altLang="en-US" dirty="0">
-                <a:latin typeface="微軟正黑體" panose="020B0604030504040204" pitchFamily="34" charset="-120"/>
-                <a:ea typeface="微軟正黑體" panose="020B0604030504040204" pitchFamily="34" charset="-120"/>
-              </a:rPr>
-              <a:t>。完成一次交易</a:t>
-            </a:r>
-          </a:p>
-        </p:txBody>
-      </p:sp>
-    </p:spTree>
-    <p:extLst>
-      <p:ext uri="{BB962C8B-B14F-4D97-AF65-F5344CB8AC3E}">
-        <p14:creationId xmlns:p14="http://schemas.microsoft.com/office/powerpoint/2010/main" val="3421685669"/>
       </p:ext>
     </p:extLst>
   </p:cSld>
